--- a/화면구성/from최원석부장님/1월 24일/에너지현황_20250123_승호피드백.pptx
+++ b/화면구성/from최원석부장님/1월 24일/에너지현황_20250123_승호피드백.pptx
@@ -3212,6 +3212,151 @@
           <a:p>
             <a:pPr algn="ctr"/>
             <a:endParaRPr lang="ko-KR" altLang="en-US"/>
+          </a:p>
+        </p:txBody>
+      </p:sp>
+      <p:sp>
+        <p:nvSpPr>
+          <p:cNvPr id="2" name="TextBox 1">
+            <a:extLst>
+              <a:ext uri="{FF2B5EF4-FFF2-40B4-BE49-F238E27FC236}">
+                <a16:creationId xmlns:a16="http://schemas.microsoft.com/office/drawing/2014/main" id="{0DBE5D29-8F5A-9226-80A1-4B5260CA03FF}"/>
+              </a:ext>
+            </a:extLst>
+          </p:cNvPr>
+          <p:cNvSpPr txBox="1"/>
+          <p:nvPr/>
+        </p:nvSpPr>
+        <p:spPr>
+          <a:xfrm>
+            <a:off x="17934" y="2483316"/>
+            <a:ext cx="4334475" cy="3970318"/>
+          </a:xfrm>
+          <a:prstGeom prst="rect">
+            <a:avLst/>
+          </a:prstGeom>
+          <a:noFill/>
+        </p:spPr>
+        <p:txBody>
+          <a:bodyPr wrap="square" rtlCol="0">
+            <a:spAutoFit/>
+          </a:bodyPr>
+          <a:lstStyle/>
+          <a:p>
+            <a:r>
+              <a:rPr lang="ko-KR" altLang="en-US" dirty="0"/>
+              <a:t>시군 에너지 비교</a:t>
+            </a:r>
+            <a:endParaRPr lang="en-US" altLang="ko-KR" dirty="0"/>
+          </a:p>
+          <a:p>
+            <a:r>
+              <a:rPr lang="en-US" altLang="ko-KR" dirty="0">
+                <a:hlinkClick r:id="rId6"/>
+              </a:rPr>
+              <a:t>https://echarts.apache.org/examples/en/editor.html?c=map-bar-morph&amp;theme=dark</a:t>
+            </a:r>
+            <a:endParaRPr lang="en-US" altLang="ko-KR" dirty="0"/>
+          </a:p>
+          <a:p>
+            <a:endParaRPr lang="en-US" altLang="ko-KR" dirty="0">
+              <a:solidFill>
+                <a:srgbClr val="FF0000"/>
+              </a:solidFill>
+            </a:endParaRPr>
+          </a:p>
+          <a:p>
+            <a:r>
+              <a:rPr lang="ko-KR" altLang="en-US" dirty="0">
+                <a:solidFill>
+                  <a:srgbClr val="FF0000"/>
+                </a:solidFill>
+              </a:rPr>
+              <a:t>시군별 에너지원 </a:t>
+            </a:r>
+            <a:r>
+              <a:rPr lang="en-US" altLang="ko-KR" dirty="0">
+                <a:solidFill>
+                  <a:srgbClr val="FF0000"/>
+                </a:solidFill>
+              </a:rPr>
+              <a:t>radar chart</a:t>
+            </a:r>
+          </a:p>
+          <a:p>
+            <a:r>
+              <a:rPr lang="en-US" altLang="ko-KR" dirty="0">
+                <a:solidFill>
+                  <a:srgbClr val="FF0000"/>
+                </a:solidFill>
+                <a:hlinkClick r:id="rId7"/>
+              </a:rPr>
+              <a:t>https://echarts.apache.org/examples/en/editor.html?c=radar&amp;theme=dark</a:t>
+            </a:r>
+            <a:endParaRPr lang="en-US" altLang="ko-KR" dirty="0">
+              <a:solidFill>
+                <a:srgbClr val="FF0000"/>
+              </a:solidFill>
+            </a:endParaRPr>
+          </a:p>
+          <a:p>
+            <a:endParaRPr lang="en-US" altLang="ko-KR" dirty="0">
+              <a:solidFill>
+                <a:srgbClr val="FF0000"/>
+              </a:solidFill>
+            </a:endParaRPr>
+          </a:p>
+          <a:p>
+            <a:r>
+              <a:rPr lang="ko-KR" altLang="en-US" dirty="0">
+                <a:solidFill>
+                  <a:srgbClr val="FF0000"/>
+                </a:solidFill>
+              </a:rPr>
+              <a:t>에너지밸런스</a:t>
+            </a:r>
+            <a:endParaRPr lang="en-US" altLang="ko-KR" dirty="0">
+              <a:solidFill>
+                <a:srgbClr val="FF0000"/>
+              </a:solidFill>
+            </a:endParaRPr>
+          </a:p>
+          <a:p>
+            <a:r>
+              <a:rPr lang="en-US" altLang="ko-KR" dirty="0">
+                <a:solidFill>
+                  <a:srgbClr val="FF0000"/>
+                </a:solidFill>
+                <a:hlinkClick r:id="rId8"/>
+              </a:rPr>
+              <a:t>https://echarts.apache.org/examples/en/editor.html?c=heatmap-cartesian&amp;theme=dark</a:t>
+            </a:r>
+            <a:endParaRPr lang="en-US" altLang="ko-KR" dirty="0">
+              <a:solidFill>
+                <a:srgbClr val="FF0000"/>
+              </a:solidFill>
+            </a:endParaRPr>
+          </a:p>
+          <a:p>
+            <a:endParaRPr lang="en-US" altLang="ko-KR">
+              <a:solidFill>
+                <a:srgbClr val="FF0000"/>
+              </a:solidFill>
+            </a:endParaRPr>
+          </a:p>
+          <a:p>
+            <a:endParaRPr lang="en-US" altLang="ko-KR" dirty="0">
+              <a:solidFill>
+                <a:srgbClr val="FF0000"/>
+              </a:solidFill>
+            </a:endParaRPr>
+          </a:p>
+          <a:p>
+            <a:endParaRPr lang="en-US" altLang="ko-KR" dirty="0">
+              <a:solidFill>
+                <a:srgbClr val="FF0000"/>
+              </a:solidFill>
+            </a:endParaRPr>
           </a:p>
         </p:txBody>
       </p:sp>

--- a/화면구성/from최원석부장님/1월 24일/에너지현황_20250123_승호피드백.pptx
+++ b/화면구성/from최원석부장님/1월 24일/에너지현황_20250123_승호피드백.pptx
@@ -222,7 +222,7 @@
           <a:p>
             <a:fld id="{C2B9CFB0-BCA9-4570-BBC6-9C2684F7EA69}" type="datetimeFigureOut">
               <a:rPr lang="ko-KR" altLang="en-US" smtClean="0"/>
-              <a:t>2025-01-24</a:t>
+              <a:t>2025-02-03</a:t>
             </a:fld>
             <a:endParaRPr lang="ko-KR" altLang="en-US"/>
           </a:p>
@@ -387,7 +387,7 @@
           <a:p>
             <a:fld id="{BE23F86A-8152-4198-942A-719B9DB78762}" type="datetimeFigureOut">
               <a:rPr lang="ko-KR" altLang="en-US" smtClean="0"/>
-              <a:t>2025-01-24</a:t>
+              <a:t>2025-02-03</a:t>
             </a:fld>
             <a:endParaRPr lang="ko-KR" altLang="en-US"/>
           </a:p>
@@ -2836,7 +2836,7 @@
                   <a:schemeClr val="tx1"/>
                 </a:solidFill>
               </a:rPr>
-              <a:t>0 </a:t>
+              <a:t>1 </a:t>
             </a:r>
             <a:r>
               <a:rPr lang="ko-KR" altLang="en-US" sz="1100" dirty="0">
@@ -3338,7 +3338,7 @@
             </a:endParaRPr>
           </a:p>
           <a:p>
-            <a:endParaRPr lang="en-US" altLang="ko-KR">
+            <a:endParaRPr lang="en-US" altLang="ko-KR" dirty="0">
               <a:solidFill>
                 <a:srgbClr val="FF0000"/>
               </a:solidFill>
